--- a/UCSB Robotic Arm Project.pptx
+++ b/UCSB Robotic Arm Project.pptx
@@ -5,19 +5,22 @@
     <p:sldMasterId id="2147483732" r:id="rId1"/>
   </p:sldMasterIdLst>
   <p:notesMasterIdLst>
-    <p:notesMasterId r:id="rId12"/>
+    <p:notesMasterId r:id="rId15"/>
   </p:notesMasterIdLst>
   <p:sldIdLst>
     <p:sldId id="256" r:id="rId2"/>
     <p:sldId id="257" r:id="rId3"/>
     <p:sldId id="260" r:id="rId4"/>
     <p:sldId id="258" r:id="rId5"/>
-    <p:sldId id="259" r:id="rId6"/>
-    <p:sldId id="261" r:id="rId7"/>
-    <p:sldId id="262" r:id="rId8"/>
-    <p:sldId id="263" r:id="rId9"/>
-    <p:sldId id="264" r:id="rId10"/>
-    <p:sldId id="265" r:id="rId11"/>
+    <p:sldId id="266" r:id="rId6"/>
+    <p:sldId id="259" r:id="rId7"/>
+    <p:sldId id="268" r:id="rId8"/>
+    <p:sldId id="261" r:id="rId9"/>
+    <p:sldId id="262" r:id="rId10"/>
+    <p:sldId id="263" r:id="rId11"/>
+    <p:sldId id="264" r:id="rId12"/>
+    <p:sldId id="265" r:id="rId13"/>
+    <p:sldId id="267" r:id="rId14"/>
   </p:sldIdLst>
   <p:sldSz cx="9144000" cy="6858000" type="screen4x3"/>
   <p:notesSz cx="6858000" cy="9144000"/>
@@ -201,7 +204,7 @@
           <a:p>
             <a:fld id="{7D8DE859-8D3A-4D43-AE3F-671AAE51428B}" type="datetimeFigureOut">
               <a:rPr lang="en-US" smtClean="0"/>
-              <a:t>11/2/2013</a:t>
+              <a:t>11/11/2013</a:t>
             </a:fld>
             <a:endParaRPr lang="en-US"/>
           </a:p>
@@ -534,7 +537,7 @@
           <a:p>
             <a:fld id="{26DFD05C-7DD1-4386-B2A2-11A252219C68}" type="slidenum">
               <a:rPr lang="en-US" smtClean="0"/>
-              <a:t>6</a:t>
+              <a:t>8</a:t>
             </a:fld>
             <a:endParaRPr lang="en-US"/>
           </a:p>
@@ -747,7 +750,7 @@
           <a:p>
             <a:fld id="{4217340C-184D-4761-A340-3089D5BF4AD4}" type="datetimeFigureOut">
               <a:rPr lang="en-US" smtClean="0"/>
-              <a:t>10/31/2013</a:t>
+              <a:t>11/11/2013</a:t>
             </a:fld>
             <a:endParaRPr lang="en-US"/>
           </a:p>
@@ -912,7 +915,7 @@
           <a:p>
             <a:fld id="{4217340C-184D-4761-A340-3089D5BF4AD4}" type="datetimeFigureOut">
               <a:rPr lang="en-US" smtClean="0"/>
-              <a:t>10/31/2013</a:t>
+              <a:t>11/11/2013</a:t>
             </a:fld>
             <a:endParaRPr lang="en-US"/>
           </a:p>
@@ -1087,7 +1090,7 @@
           <a:p>
             <a:fld id="{4217340C-184D-4761-A340-3089D5BF4AD4}" type="datetimeFigureOut">
               <a:rPr lang="en-US" smtClean="0"/>
-              <a:t>10/31/2013</a:t>
+              <a:t>11/11/2013</a:t>
             </a:fld>
             <a:endParaRPr lang="en-US"/>
           </a:p>
@@ -1252,7 +1255,7 @@
           <a:p>
             <a:fld id="{4217340C-184D-4761-A340-3089D5BF4AD4}" type="datetimeFigureOut">
               <a:rPr lang="en-US" smtClean="0"/>
-              <a:t>10/31/2013</a:t>
+              <a:t>11/11/2013</a:t>
             </a:fld>
             <a:endParaRPr lang="en-US"/>
           </a:p>
@@ -1493,7 +1496,7 @@
           <a:p>
             <a:fld id="{4217340C-184D-4761-A340-3089D5BF4AD4}" type="datetimeFigureOut">
               <a:rPr lang="en-US" smtClean="0"/>
-              <a:t>10/31/2013</a:t>
+              <a:t>11/11/2013</a:t>
             </a:fld>
             <a:endParaRPr lang="en-US"/>
           </a:p>
@@ -1776,7 +1779,7 @@
           <a:p>
             <a:fld id="{4217340C-184D-4761-A340-3089D5BF4AD4}" type="datetimeFigureOut">
               <a:rPr lang="en-US" smtClean="0"/>
-              <a:t>10/31/2013</a:t>
+              <a:t>11/11/2013</a:t>
             </a:fld>
             <a:endParaRPr lang="en-US"/>
           </a:p>
@@ -2205,7 +2208,7 @@
           <a:p>
             <a:fld id="{4217340C-184D-4761-A340-3089D5BF4AD4}" type="datetimeFigureOut">
               <a:rPr lang="en-US" smtClean="0"/>
-              <a:t>10/31/2013</a:t>
+              <a:t>11/11/2013</a:t>
             </a:fld>
             <a:endParaRPr lang="en-US"/>
           </a:p>
@@ -2318,7 +2321,7 @@
           <a:p>
             <a:fld id="{4217340C-184D-4761-A340-3089D5BF4AD4}" type="datetimeFigureOut">
               <a:rPr lang="en-US" smtClean="0"/>
-              <a:t>10/31/2013</a:t>
+              <a:t>11/11/2013</a:t>
             </a:fld>
             <a:endParaRPr lang="en-US"/>
           </a:p>
@@ -2408,7 +2411,7 @@
           <a:p>
             <a:fld id="{4217340C-184D-4761-A340-3089D5BF4AD4}" type="datetimeFigureOut">
               <a:rPr lang="en-US" smtClean="0"/>
-              <a:t>10/31/2013</a:t>
+              <a:t>11/11/2013</a:t>
             </a:fld>
             <a:endParaRPr lang="en-US"/>
           </a:p>
@@ -2597,7 +2600,7 @@
           <a:p>
             <a:fld id="{4217340C-184D-4761-A340-3089D5BF4AD4}" type="datetimeFigureOut">
               <a:rPr lang="en-US" smtClean="0"/>
-              <a:t>10/31/2013</a:t>
+              <a:t>11/11/2013</a:t>
             </a:fld>
             <a:endParaRPr lang="en-US"/>
           </a:p>
@@ -2915,7 +2918,7 @@
           <a:p>
             <a:fld id="{4217340C-184D-4761-A340-3089D5BF4AD4}" type="datetimeFigureOut">
               <a:rPr lang="en-US" smtClean="0"/>
-              <a:t>10/31/2013</a:t>
+              <a:t>11/11/2013</a:t>
             </a:fld>
             <a:endParaRPr lang="en-US"/>
           </a:p>
@@ -3294,7 +3297,7 @@
           <a:p>
             <a:fld id="{4217340C-184D-4761-A340-3089D5BF4AD4}" type="datetimeFigureOut">
               <a:rPr lang="en-US" smtClean="0"/>
-              <a:t>10/31/2013</a:t>
+              <a:t>11/11/2013</a:t>
             </a:fld>
             <a:endParaRPr lang="en-US"/>
           </a:p>
@@ -3710,7 +3713,7 @@
           <a:p>
             <a:r>
               <a:rPr lang="en-US" dirty="0" smtClean="0"/>
-              <a:t>Cost Estimate</a:t>
+              <a:t>Control Electronics</a:t>
             </a:r>
             <a:endParaRPr lang="en-US" dirty="0"/>
           </a:p>
@@ -3734,50 +3737,348 @@
           <a:lstStyle/>
           <a:p>
             <a:r>
+              <a:rPr lang="en-US" sz="2800" dirty="0" smtClean="0"/>
+              <a:t>A 32-bit microcontroller will talk directly to the sensors and actuators and perform latency sensitive tasks</a:t>
+            </a:r>
+          </a:p>
+          <a:p>
+            <a:r>
+              <a:rPr lang="en-US" sz="2800" dirty="0" smtClean="0"/>
+              <a:t>A single board computer running ROS takes care of higher level tasks, giving actuator commands to and getting feedback data from the microcontroller</a:t>
+            </a:r>
+            <a:endParaRPr lang="en-US" sz="2800" dirty="0"/>
+          </a:p>
+        </p:txBody>
+      </p:sp>
+      <p:pic>
+        <p:nvPicPr>
+          <p:cNvPr id="4098" name="Picture 2" descr="D:\Documents\GitHub\RoboticArm\teensy3.jpg"/>
+          <p:cNvPicPr>
+            <a:picLocks noChangeAspect="1" noChangeArrowheads="1"/>
+          </p:cNvPicPr>
+          <p:nvPr/>
+        </p:nvPicPr>
+        <p:blipFill>
+          <a:blip r:embed="rId2" cstate="print">
+            <a:extLst>
+              <a:ext uri="{28A0092B-C50C-407E-A947-70E740481C1C}">
+                <a14:useLocalDpi xmlns:a14="http://schemas.microsoft.com/office/drawing/2010/main" val="0"/>
+              </a:ext>
+            </a:extLst>
+          </a:blip>
+          <a:srcRect/>
+          <a:stretch>
+            <a:fillRect/>
+          </a:stretch>
+        </p:blipFill>
+        <p:spPr bwMode="auto">
+          <a:xfrm>
+            <a:off x="1752600" y="5181600"/>
+            <a:ext cx="2667000" cy="1210151"/>
+          </a:xfrm>
+          <a:prstGeom prst="rect">
+            <a:avLst/>
+          </a:prstGeom>
+          <a:noFill/>
+          <a:extLst>
+            <a:ext uri="{909E8E84-426E-40DD-AFC4-6F175D3DCCD1}">
+              <a14:hiddenFill xmlns:a14="http://schemas.microsoft.com/office/drawing/2010/main">
+                <a:solidFill>
+                  <a:srgbClr val="FFFFFF"/>
+                </a:solidFill>
+              </a14:hiddenFill>
+            </a:ext>
+          </a:extLst>
+        </p:spPr>
+      </p:pic>
+      <p:pic>
+        <p:nvPicPr>
+          <p:cNvPr id="4099" name="Picture 3" descr="D:\Documents\GitHub\RoboticArm\product_detail_black_lg.jpg"/>
+          <p:cNvPicPr>
+            <a:picLocks noChangeAspect="1" noChangeArrowheads="1"/>
+          </p:cNvPicPr>
+          <p:nvPr/>
+        </p:nvPicPr>
+        <p:blipFill>
+          <a:blip r:embed="rId3">
+            <a:extLst>
+              <a:ext uri="{28A0092B-C50C-407E-A947-70E740481C1C}">
+                <a14:useLocalDpi xmlns:a14="http://schemas.microsoft.com/office/drawing/2010/main" val="0"/>
+              </a:ext>
+            </a:extLst>
+          </a:blip>
+          <a:srcRect/>
+          <a:stretch>
+            <a:fillRect/>
+          </a:stretch>
+        </p:blipFill>
+        <p:spPr bwMode="auto">
+          <a:xfrm>
+            <a:off x="4935264" y="4218857"/>
+            <a:ext cx="1732319" cy="2562943"/>
+          </a:xfrm>
+          <a:prstGeom prst="rect">
+            <a:avLst/>
+          </a:prstGeom>
+          <a:noFill/>
+          <a:extLst>
+            <a:ext uri="{909E8E84-426E-40DD-AFC4-6F175D3DCCD1}">
+              <a14:hiddenFill xmlns:a14="http://schemas.microsoft.com/office/drawing/2010/main">
+                <a:solidFill>
+                  <a:srgbClr val="FFFFFF"/>
+                </a:solidFill>
+              </a14:hiddenFill>
+            </a:ext>
+          </a:extLst>
+        </p:spPr>
+      </p:pic>
+    </p:spTree>
+    <p:extLst>
+      <p:ext uri="{BB962C8B-B14F-4D97-AF65-F5344CB8AC3E}">
+        <p14:creationId xmlns:p14="http://schemas.microsoft.com/office/powerpoint/2010/main" val="4220972290"/>
+      </p:ext>
+    </p:extLst>
+  </p:cSld>
+  <p:clrMapOvr>
+    <a:masterClrMapping/>
+  </p:clrMapOvr>
+</p:sld>
+</file>
+
+<file path=ppt/slides/slide11.xml><?xml version="1.0" encoding="utf-8"?>
+<p:sld xmlns:a="http://schemas.openxmlformats.org/drawingml/2006/main" xmlns:r="http://schemas.openxmlformats.org/officeDocument/2006/relationships" xmlns:p="http://schemas.openxmlformats.org/presentationml/2006/main">
+  <p:cSld>
+    <p:spTree>
+      <p:nvGrpSpPr>
+        <p:cNvPr id="1" name=""/>
+        <p:cNvGrpSpPr/>
+        <p:nvPr/>
+      </p:nvGrpSpPr>
+      <p:grpSpPr>
+        <a:xfrm>
+          <a:off x="0" y="0"/>
+          <a:ext cx="0" cy="0"/>
+          <a:chOff x="0" y="0"/>
+          <a:chExt cx="0" cy="0"/>
+        </a:xfrm>
+      </p:grpSpPr>
+      <p:sp>
+        <p:nvSpPr>
+          <p:cNvPr id="2" name="Title 1"/>
+          <p:cNvSpPr>
+            <a:spLocks noGrp="1"/>
+          </p:cNvSpPr>
+          <p:nvPr>
+            <p:ph type="title"/>
+          </p:nvPr>
+        </p:nvSpPr>
+        <p:spPr/>
+        <p:txBody>
+          <a:bodyPr/>
+          <a:lstStyle/>
+          <a:p>
+            <a:r>
               <a:rPr lang="en-US" dirty="0" smtClean="0"/>
+              <a:t>Software</a:t>
+            </a:r>
+            <a:endParaRPr lang="en-US" dirty="0"/>
+          </a:p>
+        </p:txBody>
+      </p:sp>
+      <p:sp>
+        <p:nvSpPr>
+          <p:cNvPr id="3" name="Content Placeholder 2"/>
+          <p:cNvSpPr>
+            <a:spLocks noGrp="1"/>
+          </p:cNvSpPr>
+          <p:nvPr>
+            <p:ph idx="1"/>
+          </p:nvPr>
+        </p:nvSpPr>
+        <p:spPr/>
+        <p:txBody>
+          <a:bodyPr>
+            <a:normAutofit/>
+          </a:bodyPr>
+          <a:lstStyle/>
+          <a:p>
+            <a:r>
+              <a:rPr lang="en-US" sz="2800" dirty="0" smtClean="0"/>
+              <a:t>Both the microcontroller firmware and ROS software will be written in C++</a:t>
+            </a:r>
+          </a:p>
+          <a:p>
+            <a:r>
+              <a:rPr lang="en-US" sz="2800" dirty="0" smtClean="0"/>
+              <a:t>Goal is to have basic functionality </a:t>
+            </a:r>
+            <a:r>
+              <a:rPr lang="en-US" sz="2800" dirty="0" smtClean="0"/>
+              <a:t>that is unlikely to change </a:t>
+            </a:r>
+            <a:r>
+              <a:rPr lang="en-US" sz="2800" dirty="0" smtClean="0"/>
+              <a:t>in the firmware, and activity-specific code running on the single-board computer</a:t>
+            </a:r>
+          </a:p>
+          <a:p>
+            <a:r>
+              <a:rPr lang="en-US" sz="2800" dirty="0" smtClean="0"/>
+              <a:t>Many possibilities available with this architecture</a:t>
+            </a:r>
+            <a:endParaRPr lang="en-US" sz="2600" dirty="0"/>
+          </a:p>
+          <a:p>
+            <a:pPr lvl="1"/>
+            <a:r>
+              <a:rPr lang="en-US" sz="2600" dirty="0" smtClean="0"/>
+              <a:t>Complex </a:t>
+            </a:r>
+            <a:r>
+              <a:rPr lang="en-US" sz="2600" dirty="0"/>
+              <a:t>trajectory calculations</a:t>
+            </a:r>
+          </a:p>
+          <a:p>
+            <a:pPr lvl="1"/>
+            <a:r>
+              <a:rPr lang="en-US" sz="2600" dirty="0" smtClean="0"/>
+              <a:t>Integration with </a:t>
+            </a:r>
+            <a:r>
+              <a:rPr lang="en-US" sz="2600" dirty="0" err="1" smtClean="0"/>
+              <a:t>OpenCV</a:t>
+            </a:r>
+            <a:r>
+              <a:rPr lang="en-US" sz="2600" dirty="0" smtClean="0"/>
+              <a:t> for computer vision</a:t>
+            </a:r>
+          </a:p>
+          <a:p>
+            <a:pPr lvl="1"/>
+            <a:r>
+              <a:rPr lang="en-US" sz="2600" dirty="0" smtClean="0"/>
+              <a:t>Control of the arm over a network</a:t>
+            </a:r>
+            <a:endParaRPr lang="en-US" sz="2600" dirty="0"/>
+          </a:p>
+        </p:txBody>
+      </p:sp>
+    </p:spTree>
+    <p:extLst>
+      <p:ext uri="{BB962C8B-B14F-4D97-AF65-F5344CB8AC3E}">
+        <p14:creationId xmlns:p14="http://schemas.microsoft.com/office/powerpoint/2010/main" val="3519092767"/>
+      </p:ext>
+    </p:extLst>
+  </p:cSld>
+  <p:clrMapOvr>
+    <a:masterClrMapping/>
+  </p:clrMapOvr>
+</p:sld>
+</file>
+
+<file path=ppt/slides/slide12.xml><?xml version="1.0" encoding="utf-8"?>
+<p:sld xmlns:a="http://schemas.openxmlformats.org/drawingml/2006/main" xmlns:r="http://schemas.openxmlformats.org/officeDocument/2006/relationships" xmlns:p="http://schemas.openxmlformats.org/presentationml/2006/main">
+  <p:cSld>
+    <p:spTree>
+      <p:nvGrpSpPr>
+        <p:cNvPr id="1" name=""/>
+        <p:cNvGrpSpPr/>
+        <p:nvPr/>
+      </p:nvGrpSpPr>
+      <p:grpSpPr>
+        <a:xfrm>
+          <a:off x="0" y="0"/>
+          <a:ext cx="0" cy="0"/>
+          <a:chOff x="0" y="0"/>
+          <a:chExt cx="0" cy="0"/>
+        </a:xfrm>
+      </p:grpSpPr>
+      <p:sp>
+        <p:nvSpPr>
+          <p:cNvPr id="2" name="Title 1"/>
+          <p:cNvSpPr>
+            <a:spLocks noGrp="1"/>
+          </p:cNvSpPr>
+          <p:nvPr>
+            <p:ph type="title"/>
+          </p:nvPr>
+        </p:nvSpPr>
+        <p:spPr/>
+        <p:txBody>
+          <a:bodyPr/>
+          <a:lstStyle/>
+          <a:p>
+            <a:r>
+              <a:rPr lang="en-US" dirty="0" smtClean="0"/>
+              <a:t>Cost Estimate</a:t>
+            </a:r>
+            <a:endParaRPr lang="en-US" dirty="0"/>
+          </a:p>
+        </p:txBody>
+      </p:sp>
+      <p:sp>
+        <p:nvSpPr>
+          <p:cNvPr id="3" name="Content Placeholder 2"/>
+          <p:cNvSpPr>
+            <a:spLocks noGrp="1"/>
+          </p:cNvSpPr>
+          <p:nvPr>
+            <p:ph idx="1"/>
+          </p:nvPr>
+        </p:nvSpPr>
+        <p:spPr/>
+        <p:txBody>
+          <a:bodyPr>
+            <a:normAutofit lnSpcReduction="10000"/>
+          </a:bodyPr>
+          <a:lstStyle/>
+          <a:p>
+            <a:r>
+              <a:rPr lang="en-US" sz="2800" dirty="0" smtClean="0"/>
               <a:t>Actuators: $400</a:t>
             </a:r>
           </a:p>
           <a:p>
             <a:r>
-              <a:rPr lang="en-US" dirty="0" smtClean="0"/>
+              <a:rPr lang="en-US" sz="2800" dirty="0" smtClean="0"/>
               <a:t>Frame: ≤$400</a:t>
             </a:r>
           </a:p>
           <a:p>
             <a:r>
-              <a:rPr lang="en-US" dirty="0" smtClean="0"/>
+              <a:rPr lang="en-US" sz="2800" dirty="0" smtClean="0"/>
               <a:t>Power electronics: $100</a:t>
             </a:r>
           </a:p>
           <a:p>
             <a:r>
-              <a:rPr lang="en-US" dirty="0" smtClean="0"/>
+              <a:rPr lang="en-US" sz="2800" dirty="0" smtClean="0"/>
               <a:t>Control electronics: &lt;$100</a:t>
             </a:r>
           </a:p>
           <a:p>
-            <a:endParaRPr lang="en-US" dirty="0"/>
-          </a:p>
-          <a:p>
-            <a:r>
-              <a:rPr lang="en-US" dirty="0" smtClean="0"/>
+            <a:endParaRPr lang="en-US" sz="2800" dirty="0"/>
+          </a:p>
+          <a:p>
+            <a:r>
+              <a:rPr lang="en-US" sz="2800" dirty="0" smtClean="0"/>
               <a:t>The frame is the subsystem with the largest uncertainty</a:t>
             </a:r>
           </a:p>
           <a:p>
             <a:r>
-              <a:rPr lang="en-US" dirty="0" smtClean="0"/>
+              <a:rPr lang="en-US" sz="2800" dirty="0" smtClean="0"/>
               <a:t>Cost is very dependent upon the scale</a:t>
             </a:r>
           </a:p>
           <a:p>
             <a:pPr lvl="1"/>
             <a:r>
-              <a:rPr lang="en-US" dirty="0" smtClean="0"/>
+              <a:rPr lang="en-US" sz="2400" dirty="0" smtClean="0"/>
               <a:t>The current estimate assumes a 1:1 scale with respect to a human arm</a:t>
             </a:r>
-            <a:endParaRPr lang="en-US" dirty="0"/>
+            <a:endParaRPr lang="en-US" sz="2400" dirty="0"/>
           </a:p>
         </p:txBody>
       </p:sp>
@@ -3785,6 +4086,108 @@
     <p:extLst>
       <p:ext uri="{BB962C8B-B14F-4D97-AF65-F5344CB8AC3E}">
         <p14:creationId xmlns:p14="http://schemas.microsoft.com/office/powerpoint/2010/main" val="3593883569"/>
+      </p:ext>
+    </p:extLst>
+  </p:cSld>
+  <p:clrMapOvr>
+    <a:masterClrMapping/>
+  </p:clrMapOvr>
+</p:sld>
+</file>
+
+<file path=ppt/slides/slide13.xml><?xml version="1.0" encoding="utf-8"?>
+<p:sld xmlns:a="http://schemas.openxmlformats.org/drawingml/2006/main" xmlns:r="http://schemas.openxmlformats.org/officeDocument/2006/relationships" xmlns:p="http://schemas.openxmlformats.org/presentationml/2006/main">
+  <p:cSld>
+    <p:spTree>
+      <p:nvGrpSpPr>
+        <p:cNvPr id="1" name=""/>
+        <p:cNvGrpSpPr/>
+        <p:nvPr/>
+      </p:nvGrpSpPr>
+      <p:grpSpPr>
+        <a:xfrm>
+          <a:off x="0" y="0"/>
+          <a:ext cx="0" cy="0"/>
+          <a:chOff x="0" y="0"/>
+          <a:chExt cx="0" cy="0"/>
+        </a:xfrm>
+      </p:grpSpPr>
+      <p:sp>
+        <p:nvSpPr>
+          <p:cNvPr id="2" name="Title 1"/>
+          <p:cNvSpPr>
+            <a:spLocks noGrp="1"/>
+          </p:cNvSpPr>
+          <p:nvPr>
+            <p:ph type="title"/>
+          </p:nvPr>
+        </p:nvSpPr>
+        <p:spPr/>
+        <p:txBody>
+          <a:bodyPr/>
+          <a:lstStyle/>
+          <a:p>
+            <a:r>
+              <a:rPr lang="en-US" dirty="0" smtClean="0"/>
+              <a:t>Time Table</a:t>
+            </a:r>
+            <a:endParaRPr lang="en-US" dirty="0"/>
+          </a:p>
+        </p:txBody>
+      </p:sp>
+      <p:sp>
+        <p:nvSpPr>
+          <p:cNvPr id="3" name="Content Placeholder 2"/>
+          <p:cNvSpPr>
+            <a:spLocks noGrp="1"/>
+          </p:cNvSpPr>
+          <p:nvPr>
+            <p:ph idx="1"/>
+          </p:nvPr>
+        </p:nvSpPr>
+        <p:spPr/>
+        <p:txBody>
+          <a:bodyPr>
+            <a:normAutofit/>
+          </a:bodyPr>
+          <a:lstStyle/>
+          <a:p>
+            <a:r>
+              <a:rPr lang="en-US" sz="2800" dirty="0" smtClean="0"/>
+              <a:t>Fall quarter will largely be devoted to design</a:t>
+            </a:r>
+          </a:p>
+          <a:p>
+            <a:r>
+              <a:rPr lang="en-US" sz="2800" dirty="0" smtClean="0"/>
+              <a:t>The beginning of Winter quarter should see us begin to order parts and start construction</a:t>
+            </a:r>
+          </a:p>
+          <a:p>
+            <a:r>
+              <a:rPr lang="en-US" sz="2800" dirty="0" smtClean="0"/>
+              <a:t>Firmware will be written as components are added</a:t>
+            </a:r>
+          </a:p>
+          <a:p>
+            <a:r>
+              <a:rPr lang="en-US" sz="2800" dirty="0" smtClean="0"/>
+              <a:t>The mechanics should be finished by sometime in Spring quarter</a:t>
+            </a:r>
+          </a:p>
+          <a:p>
+            <a:r>
+              <a:rPr lang="en-US" sz="2800" dirty="0" smtClean="0"/>
+              <a:t>Application software will be written starting when the firmware interface starts to stabilize</a:t>
+            </a:r>
+            <a:endParaRPr lang="en-US" sz="2800" dirty="0"/>
+          </a:p>
+        </p:txBody>
+      </p:sp>
+    </p:spTree>
+    <p:extLst>
+      <p:ext uri="{BB962C8B-B14F-4D97-AF65-F5344CB8AC3E}">
+        <p14:creationId xmlns:p14="http://schemas.microsoft.com/office/powerpoint/2010/main" val="2668901948"/>
       </p:ext>
     </p:extLst>
   </p:cSld>
@@ -3846,28 +4249,32 @@
         </p:nvSpPr>
         <p:spPr/>
         <p:txBody>
-          <a:bodyPr/>
-          <a:lstStyle/>
-          <a:p>
-            <a:r>
-              <a:rPr lang="en-US" dirty="0" smtClean="0"/>
+          <a:bodyPr>
+            <a:normAutofit/>
+          </a:bodyPr>
+          <a:lstStyle/>
+          <a:p>
+            <a:r>
+              <a:rPr lang="en-US" sz="2800" dirty="0" smtClean="0"/>
               <a:t>Build an electronically controlled robotic arm with dimensions and capabilities similar to a human arm</a:t>
             </a:r>
           </a:p>
           <a:p>
             <a:r>
-              <a:rPr lang="en-US" dirty="0" smtClean="0"/>
+              <a:rPr lang="en-US" sz="2800" dirty="0" smtClean="0"/>
               <a:t>The arm should include a hand or claw for interacting with objects</a:t>
             </a:r>
           </a:p>
           <a:p>
             <a:r>
-              <a:rPr lang="en-US" dirty="0" smtClean="0"/>
-              <a:t>Make it simple to program for different experiments and applications</a:t>
-            </a:r>
-          </a:p>
-          <a:p>
-            <a:endParaRPr lang="en-US" dirty="0"/>
+              <a:rPr lang="en-US" sz="2800" dirty="0" smtClean="0"/>
+              <a:t>Make it simple to </a:t>
+            </a:r>
+            <a:r>
+              <a:rPr lang="en-US" sz="2800" dirty="0" smtClean="0"/>
+              <a:t>program specific tasks and easy to integrate with other components in the future</a:t>
+            </a:r>
+            <a:endParaRPr lang="en-US" sz="2800" dirty="0" smtClean="0"/>
           </a:p>
         </p:txBody>
       </p:sp>
@@ -3936,38 +4343,46 @@
         </p:nvSpPr>
         <p:spPr/>
         <p:txBody>
-          <a:bodyPr/>
-          <a:lstStyle/>
-          <a:p>
-            <a:r>
-              <a:rPr lang="en-US" dirty="0" smtClean="0"/>
+          <a:bodyPr>
+            <a:normAutofit/>
+          </a:bodyPr>
+          <a:lstStyle/>
+          <a:p>
+            <a:r>
+              <a:rPr lang="en-US" sz="2800" dirty="0" smtClean="0"/>
               <a:t>Frame</a:t>
             </a:r>
           </a:p>
           <a:p>
             <a:r>
-              <a:rPr lang="en-US" dirty="0" smtClean="0"/>
+              <a:rPr lang="en-US" sz="2800" dirty="0" smtClean="0"/>
               <a:t>Actuators</a:t>
             </a:r>
           </a:p>
           <a:p>
             <a:r>
-              <a:rPr lang="en-US" dirty="0" smtClean="0"/>
+              <a:rPr lang="en-US" sz="2800" dirty="0" smtClean="0"/>
               <a:t>Power electronics</a:t>
             </a:r>
           </a:p>
           <a:p>
             <a:r>
-              <a:rPr lang="en-US" dirty="0" smtClean="0"/>
+              <a:rPr lang="en-US" sz="2800" dirty="0" smtClean="0"/>
               <a:t>Control electronics</a:t>
             </a:r>
           </a:p>
           <a:p>
             <a:r>
-              <a:rPr lang="en-US" dirty="0" smtClean="0"/>
-              <a:t>Software</a:t>
-            </a:r>
-            <a:endParaRPr lang="en-US" dirty="0"/>
+              <a:rPr lang="en-US" sz="2800" dirty="0" smtClean="0"/>
+              <a:t>Firmware</a:t>
+            </a:r>
+          </a:p>
+          <a:p>
+            <a:r>
+              <a:rPr lang="en-US" sz="2800" dirty="0" smtClean="0"/>
+              <a:t>Application software</a:t>
+            </a:r>
+            <a:endParaRPr lang="en-US" sz="2800" dirty="0"/>
           </a:p>
         </p:txBody>
       </p:sp>
@@ -4042,28 +4457,41 @@
           <a:lstStyle/>
           <a:p>
             <a:r>
-              <a:rPr lang="en-US" dirty="0" smtClean="0"/>
+              <a:rPr lang="en-US" sz="2800" dirty="0" smtClean="0"/>
               <a:t>The actuators will likely be the main cost driver in the system</a:t>
             </a:r>
           </a:p>
           <a:p>
             <a:r>
-              <a:rPr lang="en-US" dirty="0" smtClean="0"/>
+              <a:rPr lang="en-US" sz="2800" dirty="0" smtClean="0"/>
               <a:t>The available actuators will determine the scale that will be feasible for the project</a:t>
             </a:r>
-          </a:p>
-          <a:p>
-            <a:r>
-              <a:rPr lang="en-US" dirty="0" smtClean="0"/>
-              <a:t>A mathematical model of an arm was created and used to find the forces and torques that the actuators would have to produce to perform various actions</a:t>
-            </a:r>
-          </a:p>
-          <a:p>
-            <a:r>
-              <a:rPr lang="en-US" dirty="0" smtClean="0"/>
-              <a:t>Test case: Lifting a 250g object while the arm is fully extended</a:t>
-            </a:r>
-            <a:endParaRPr lang="en-US" dirty="0"/>
+            <a:endParaRPr lang="en-US" sz="2800" dirty="0" smtClean="0"/>
+          </a:p>
+          <a:p>
+            <a:r>
+              <a:rPr lang="en-US" sz="2800" dirty="0" smtClean="0"/>
+              <a:t>A mathematical model of an arm was created and used to find the forces and torques that the actuators would have to </a:t>
+            </a:r>
+            <a:r>
+              <a:rPr lang="en-US" sz="2800" dirty="0" smtClean="0"/>
+              <a:t>sustain </a:t>
+            </a:r>
+            <a:r>
+              <a:rPr lang="en-US" sz="2800" dirty="0" smtClean="0"/>
+              <a:t>to perform various </a:t>
+            </a:r>
+            <a:r>
+              <a:rPr lang="en-US" sz="2800" dirty="0" smtClean="0"/>
+              <a:t>actions</a:t>
+            </a:r>
+          </a:p>
+          <a:p>
+            <a:r>
+              <a:rPr lang="en-US" sz="2800" dirty="0" smtClean="0"/>
+              <a:t>Being able to lift a 250g object while in any position was chosen as a design goal</a:t>
+            </a:r>
+            <a:endParaRPr lang="en-US" sz="2800" dirty="0" smtClean="0"/>
           </a:p>
         </p:txBody>
       </p:sp>
@@ -4099,7 +4527,7 @@
       </p:grpSpPr>
       <p:sp>
         <p:nvSpPr>
-          <p:cNvPr id="2" name="Title 1"/>
+          <p:cNvPr id="8" name="Title 7"/>
           <p:cNvSpPr>
             <a:spLocks noGrp="1"/>
           </p:cNvSpPr>
@@ -4113,46 +4541,81 @@
           <a:lstStyle/>
           <a:p>
             <a:r>
-              <a:rPr lang="en-US" dirty="0" smtClean="0"/>
-              <a:t>Actuator Selection</a:t>
-            </a:r>
+              <a:rPr lang="en-US" sz="2800" b="0" dirty="0" smtClean="0">
+                <a:solidFill>
+                  <a:schemeClr val="tx1"/>
+                </a:solidFill>
+                <a:latin typeface="+mn-lt"/>
+              </a:rPr>
+              <a:t>Arm model showing required torque at each joint</a:t>
+            </a:r>
+            <a:endParaRPr lang="en-US" sz="2800" b="0" dirty="0">
+              <a:solidFill>
+                <a:schemeClr val="tx1"/>
+              </a:solidFill>
+              <a:latin typeface="+mn-lt"/>
+            </a:endParaRPr>
+          </a:p>
+        </p:txBody>
+      </p:sp>
+      <p:sp>
+        <p:nvSpPr>
+          <p:cNvPr id="3" name="Content Placeholder 2"/>
+          <p:cNvSpPr>
+            <a:spLocks noGrp="1"/>
+          </p:cNvSpPr>
+          <p:nvPr>
+            <p:ph type="body" sz="half" idx="2"/>
+          </p:nvPr>
+        </p:nvSpPr>
+        <p:spPr/>
+        <p:txBody>
+          <a:bodyPr/>
+          <a:lstStyle/>
+          <a:p>
+            <a:pPr marL="114300" indent="0">
+              <a:buNone/>
+            </a:pPr>
             <a:endParaRPr lang="en-US" dirty="0"/>
           </a:p>
-        </p:txBody>
-      </p:sp>
-      <p:sp>
-        <p:nvSpPr>
-          <p:cNvPr id="3" name="Content Placeholder 2"/>
-          <p:cNvSpPr>
-            <a:spLocks noGrp="1"/>
-          </p:cNvSpPr>
-          <p:nvPr>
-            <p:ph idx="1"/>
-          </p:nvPr>
-        </p:nvSpPr>
-        <p:spPr/>
-        <p:txBody>
-          <a:bodyPr/>
-          <a:lstStyle/>
-          <a:p>
-            <a:r>
-              <a:rPr lang="en-US" dirty="0" smtClean="0"/>
-              <a:t>With the required performance for each joint determined, we searched for suitable actuators distributed by familiar suppliers</a:t>
-            </a:r>
-          </a:p>
-          <a:p>
-            <a:r>
-              <a:rPr lang="en-US" dirty="0" smtClean="0"/>
-              <a:t>We found a combination of linear actuators with potentiometer feedback and rotary servomotors with integrated feedback control that will fulfill the project requirements</a:t>
-            </a:r>
+          <a:p>
             <a:endParaRPr lang="en-US" dirty="0"/>
           </a:p>
         </p:txBody>
       </p:sp>
+      <p:pic>
+        <p:nvPicPr>
+          <p:cNvPr id="12" name="Picture Placeholder 11"/>
+          <p:cNvPicPr>
+            <a:picLocks noGrp="1" noChangeAspect="1"/>
+          </p:cNvPicPr>
+          <p:nvPr>
+            <p:ph type="pic" idx="1"/>
+          </p:nvPr>
+        </p:nvPicPr>
+        <p:blipFill>
+          <a:blip r:embed="rId2">
+            <a:extLst>
+              <a:ext uri="{28A0092B-C50C-407E-A947-70E740481C1C}">
+                <a14:useLocalDpi xmlns:a14="http://schemas.microsoft.com/office/drawing/2010/main" val="0"/>
+              </a:ext>
+            </a:extLst>
+          </a:blip>
+          <a:stretch>
+            <a:fillRect/>
+          </a:stretch>
+        </p:blipFill>
+        <p:spPr>
+          <a:xfrm>
+            <a:off x="914400" y="365760"/>
+            <a:ext cx="6495241" cy="4771143"/>
+          </a:xfrm>
+        </p:spPr>
+      </p:pic>
     </p:spTree>
     <p:extLst>
       <p:ext uri="{BB962C8B-B14F-4D97-AF65-F5344CB8AC3E}">
-        <p14:creationId xmlns:p14="http://schemas.microsoft.com/office/powerpoint/2010/main" val="3148254273"/>
+        <p14:creationId xmlns:p14="http://schemas.microsoft.com/office/powerpoint/2010/main" val="1503047338"/>
       </p:ext>
     </p:extLst>
   </p:cSld>
@@ -4179,6 +4642,47 @@
           <a:chExt cx="0" cy="0"/>
         </a:xfrm>
       </p:grpSpPr>
+      <p:pic>
+        <p:nvPicPr>
+          <p:cNvPr id="3074" name="Picture 2" descr="D:\Documents\GitHub\RoboticArm\FRS-B-AX-12A-a.jpg"/>
+          <p:cNvPicPr>
+            <a:picLocks noChangeAspect="1" noChangeArrowheads="1"/>
+          </p:cNvPicPr>
+          <p:nvPr/>
+        </p:nvPicPr>
+        <p:blipFill>
+          <a:blip r:embed="rId2">
+            <a:extLst>
+              <a:ext uri="{28A0092B-C50C-407E-A947-70E740481C1C}">
+                <a14:useLocalDpi xmlns:a14="http://schemas.microsoft.com/office/drawing/2010/main" val="0"/>
+              </a:ext>
+            </a:extLst>
+          </a:blip>
+          <a:srcRect/>
+          <a:stretch>
+            <a:fillRect/>
+          </a:stretch>
+        </p:blipFill>
+        <p:spPr bwMode="auto">
+          <a:xfrm>
+            <a:off x="3962400" y="4354512"/>
+            <a:ext cx="2503488" cy="2503488"/>
+          </a:xfrm>
+          <a:prstGeom prst="rect">
+            <a:avLst/>
+          </a:prstGeom>
+          <a:noFill/>
+          <a:extLst>
+            <a:ext uri="{909E8E84-426E-40DD-AFC4-6F175D3DCCD1}">
+              <a14:hiddenFill xmlns:a14="http://schemas.microsoft.com/office/drawing/2010/main">
+                <a:solidFill>
+                  <a:srgbClr val="FFFFFF"/>
+                </a:solidFill>
+              </a14:hiddenFill>
+            </a:ext>
+          </a:extLst>
+        </p:spPr>
+      </p:pic>
       <p:sp>
         <p:nvSpPr>
           <p:cNvPr id="2" name="Title 1"/>
@@ -4187,6 +4691,29 @@
           </p:cNvSpPr>
           <p:nvPr>
             <p:ph type="title"/>
+          </p:nvPr>
+        </p:nvSpPr>
+        <p:spPr/>
+        <p:txBody>
+          <a:bodyPr/>
+          <a:lstStyle/>
+          <a:p>
+            <a:r>
+              <a:rPr lang="en-US" dirty="0" smtClean="0"/>
+              <a:t>Actuator Selection</a:t>
+            </a:r>
+            <a:endParaRPr lang="en-US" dirty="0"/>
+          </a:p>
+        </p:txBody>
+      </p:sp>
+      <p:sp>
+        <p:nvSpPr>
+          <p:cNvPr id="3" name="Content Placeholder 2"/>
+          <p:cNvSpPr>
+            <a:spLocks noGrp="1"/>
+          </p:cNvSpPr>
+          <p:nvPr>
+            <p:ph idx="1"/>
           </p:nvPr>
         </p:nvSpPr>
         <p:spPr/>
@@ -4197,61 +4724,64 @@
           <a:lstStyle/>
           <a:p>
             <a:r>
-              <a:rPr lang="en-US" dirty="0" smtClean="0"/>
-              <a:t>Frame</a:t>
-            </a:r>
-            <a:endParaRPr lang="en-US" dirty="0"/>
-          </a:p>
-        </p:txBody>
-      </p:sp>
-      <p:sp>
-        <p:nvSpPr>
-          <p:cNvPr id="3" name="Content Placeholder 2"/>
-          <p:cNvSpPr>
-            <a:spLocks noGrp="1"/>
-          </p:cNvSpPr>
-          <p:nvPr>
-            <p:ph idx="1"/>
-          </p:nvPr>
-        </p:nvSpPr>
-        <p:spPr/>
-        <p:txBody>
-          <a:bodyPr>
-            <a:normAutofit/>
-          </a:bodyPr>
-          <a:lstStyle/>
-          <a:p>
-            <a:r>
-              <a:rPr lang="en-US" dirty="0" smtClean="0"/>
-              <a:t>Lightweight components desired for the upper arm to increase effective lift capacity</a:t>
-            </a:r>
-            <a:endParaRPr lang="en-US" dirty="0"/>
-          </a:p>
-          <a:p>
-            <a:pPr lvl="1"/>
-            <a:r>
-              <a:rPr lang="en-US" dirty="0" smtClean="0"/>
-              <a:t>Material options: 3D printed plastic, laser cut plastic, machined aluminum, carbon fiber tubes</a:t>
-            </a:r>
-          </a:p>
-          <a:p>
-            <a:r>
-              <a:rPr lang="en-US" dirty="0" smtClean="0"/>
-              <a:t>Base should be heavy to counterbalance the arm when extended</a:t>
-            </a:r>
-          </a:p>
-          <a:p>
-            <a:r>
-              <a:rPr lang="en-US" dirty="0" smtClean="0"/>
-              <a:t>May include springs or counterweights to take some load off of the actuators</a:t>
-            </a:r>
-          </a:p>
-        </p:txBody>
-      </p:sp>
+              <a:rPr lang="en-US" sz="2800" dirty="0" smtClean="0"/>
+              <a:t>With the required performance for each joint determined, we searched for suitable actuators distributed by familiar suppliers</a:t>
+            </a:r>
+          </a:p>
+          <a:p>
+            <a:r>
+              <a:rPr lang="en-US" sz="2800" dirty="0" smtClean="0"/>
+              <a:t>We found a combination of linear actuators with potentiometer feedback and rotary servomotors with integrated feedback control that will fulfill the project requirements</a:t>
+            </a:r>
+            <a:endParaRPr lang="en-US" sz="2800" dirty="0"/>
+          </a:p>
+        </p:txBody>
+      </p:sp>
+      <p:pic>
+        <p:nvPicPr>
+          <p:cNvPr id="3075" name="Picture 3" descr="D:\Documents\GitHub\RoboticArm\LD_4P.jpg"/>
+          <p:cNvPicPr>
+            <a:picLocks noChangeAspect="1" noChangeArrowheads="1"/>
+          </p:cNvPicPr>
+          <p:nvPr/>
+        </p:nvPicPr>
+        <p:blipFill>
+          <a:blip r:embed="rId3">
+            <a:extLst>
+              <a:ext uri="{28A0092B-C50C-407E-A947-70E740481C1C}">
+                <a14:useLocalDpi xmlns:a14="http://schemas.microsoft.com/office/drawing/2010/main" val="0"/>
+              </a:ext>
+            </a:extLst>
+          </a:blip>
+          <a:srcRect/>
+          <a:stretch>
+            <a:fillRect/>
+          </a:stretch>
+        </p:blipFill>
+        <p:spPr bwMode="auto">
+          <a:xfrm>
+            <a:off x="1447800" y="4755291"/>
+            <a:ext cx="2692400" cy="2019300"/>
+          </a:xfrm>
+          <a:prstGeom prst="rect">
+            <a:avLst/>
+          </a:prstGeom>
+          <a:noFill/>
+          <a:extLst>
+            <a:ext uri="{909E8E84-426E-40DD-AFC4-6F175D3DCCD1}">
+              <a14:hiddenFill xmlns:a14="http://schemas.microsoft.com/office/drawing/2010/main">
+                <a:solidFill>
+                  <a:srgbClr val="FFFFFF"/>
+                </a:solidFill>
+              </a14:hiddenFill>
+            </a:ext>
+          </a:extLst>
+        </p:spPr>
+      </p:pic>
     </p:spTree>
     <p:extLst>
       <p:ext uri="{BB962C8B-B14F-4D97-AF65-F5344CB8AC3E}">
-        <p14:creationId xmlns:p14="http://schemas.microsoft.com/office/powerpoint/2010/main" val="3418157013"/>
+        <p14:creationId xmlns:p14="http://schemas.microsoft.com/office/powerpoint/2010/main" val="3148254273"/>
       </p:ext>
     </p:extLst>
   </p:cSld>
@@ -4295,80 +4825,45 @@
           <a:p>
             <a:r>
               <a:rPr lang="en-US" dirty="0" smtClean="0"/>
-              <a:t>Power Electronics</a:t>
+              <a:t>Design Sketches</a:t>
             </a:r>
             <a:endParaRPr lang="en-US" dirty="0"/>
           </a:p>
         </p:txBody>
       </p:sp>
-      <p:sp>
-        <p:nvSpPr>
-          <p:cNvPr id="3" name="Content Placeholder 2"/>
-          <p:cNvSpPr>
-            <a:spLocks noGrp="1"/>
-          </p:cNvSpPr>
+      <p:pic>
+        <p:nvPicPr>
+          <p:cNvPr id="4" name="Content Placeholder 3"/>
+          <p:cNvPicPr>
+            <a:picLocks noGrp="1" noChangeAspect="1"/>
+          </p:cNvPicPr>
           <p:nvPr>
             <p:ph idx="1"/>
           </p:nvPr>
-        </p:nvSpPr>
-        <p:spPr/>
-        <p:txBody>
-          <a:bodyPr/>
-          <a:lstStyle/>
-          <a:p>
-            <a:r>
-              <a:rPr lang="en-US" dirty="0" smtClean="0"/>
-              <a:t>The actuators that we looked at all run off of a 12V supply voltage</a:t>
-            </a:r>
-          </a:p>
-          <a:p>
-            <a:r>
-              <a:rPr lang="en-US" dirty="0" smtClean="0"/>
-              <a:t>Several options:</a:t>
-            </a:r>
-          </a:p>
-          <a:p>
-            <a:pPr lvl="1"/>
-            <a:r>
-              <a:rPr lang="en-US" dirty="0" smtClean="0"/>
-              <a:t>A commodity PC power supply unit</a:t>
-            </a:r>
-          </a:p>
-          <a:p>
-            <a:pPr lvl="1"/>
-            <a:r>
-              <a:rPr lang="en-US" dirty="0" smtClean="0"/>
-              <a:t>Custom built 12V wall supply</a:t>
-            </a:r>
-          </a:p>
-          <a:p>
-            <a:pPr lvl="1"/>
-            <a:r>
-              <a:rPr lang="en-US" dirty="0" smtClean="0"/>
-              <a:t>11.1V 3-cell </a:t>
-            </a:r>
-            <a:r>
-              <a:rPr lang="en-US" dirty="0" err="1" smtClean="0"/>
-              <a:t>LiPo</a:t>
-            </a:r>
-            <a:r>
-              <a:rPr lang="en-US" dirty="0" smtClean="0"/>
-              <a:t> batteries for portability</a:t>
-            </a:r>
-            <a:endParaRPr lang="en-US" dirty="0"/>
-          </a:p>
-          <a:p>
-            <a:r>
-              <a:rPr lang="en-US" dirty="0" smtClean="0"/>
-              <a:t>Control electronics will be powered with a 3.3V regulated supply derived from this</a:t>
-            </a:r>
-          </a:p>
-        </p:txBody>
-      </p:sp>
+        </p:nvPicPr>
+        <p:blipFill>
+          <a:blip r:embed="rId2">
+            <a:extLst>
+              <a:ext uri="{28A0092B-C50C-407E-A947-70E740481C1C}">
+                <a14:useLocalDpi xmlns:a14="http://schemas.microsoft.com/office/drawing/2010/main" val="0"/>
+              </a:ext>
+            </a:extLst>
+          </a:blip>
+          <a:stretch>
+            <a:fillRect/>
+          </a:stretch>
+        </p:blipFill>
+        <p:spPr>
+          <a:xfrm>
+            <a:off x="457200" y="2020459"/>
+            <a:ext cx="7620000" cy="3960082"/>
+          </a:xfrm>
+        </p:spPr>
+      </p:pic>
     </p:spTree>
     <p:extLst>
       <p:ext uri="{BB962C8B-B14F-4D97-AF65-F5344CB8AC3E}">
-        <p14:creationId xmlns:p14="http://schemas.microsoft.com/office/powerpoint/2010/main" val="587195641"/>
+        <p14:creationId xmlns:p14="http://schemas.microsoft.com/office/powerpoint/2010/main" val="2166770065"/>
       </p:ext>
     </p:extLst>
   </p:cSld>
@@ -4407,29 +4902,6 @@
         </p:nvSpPr>
         <p:spPr/>
         <p:txBody>
-          <a:bodyPr/>
-          <a:lstStyle/>
-          <a:p>
-            <a:r>
-              <a:rPr lang="en-US" dirty="0" smtClean="0"/>
-              <a:t>Control Electronics</a:t>
-            </a:r>
-            <a:endParaRPr lang="en-US" dirty="0"/>
-          </a:p>
-        </p:txBody>
-      </p:sp>
-      <p:sp>
-        <p:nvSpPr>
-          <p:cNvPr id="3" name="Content Placeholder 2"/>
-          <p:cNvSpPr>
-            <a:spLocks noGrp="1"/>
-          </p:cNvSpPr>
-          <p:nvPr>
-            <p:ph idx="1"/>
-          </p:nvPr>
-        </p:nvSpPr>
-        <p:spPr/>
-        <p:txBody>
           <a:bodyPr>
             <a:normAutofit/>
           </a:bodyPr>
@@ -4437,28 +4909,81 @@
           <a:p>
             <a:r>
               <a:rPr lang="en-US" dirty="0" smtClean="0"/>
-              <a:t>Based around 32-bit ARM microcontrollers that the club has experience with</a:t>
-            </a:r>
-          </a:p>
-          <a:p>
-            <a:r>
-              <a:rPr lang="en-US" dirty="0" smtClean="0"/>
-              <a:t>Possibly have additional microcontrollers dedicated to low level control tasks to increase latency performance</a:t>
-            </a:r>
-          </a:p>
-          <a:p>
-            <a:r>
-              <a:rPr lang="en-US" dirty="0" smtClean="0"/>
-              <a:t>Main control unit will be able to run standalone or getting commands from a personal computer</a:t>
+              <a:t>Frame</a:t>
             </a:r>
             <a:endParaRPr lang="en-US" dirty="0"/>
+          </a:p>
+        </p:txBody>
+      </p:sp>
+      <p:sp>
+        <p:nvSpPr>
+          <p:cNvPr id="3" name="Content Placeholder 2"/>
+          <p:cNvSpPr>
+            <a:spLocks noGrp="1"/>
+          </p:cNvSpPr>
+          <p:nvPr>
+            <p:ph idx="1"/>
+          </p:nvPr>
+        </p:nvSpPr>
+        <p:spPr/>
+        <p:txBody>
+          <a:bodyPr>
+            <a:normAutofit/>
+          </a:bodyPr>
+          <a:lstStyle/>
+          <a:p>
+            <a:r>
+              <a:rPr lang="en-US" sz="2800" dirty="0" smtClean="0"/>
+              <a:t>Lightweight components desired for the upper arm to increase effective lift capacity</a:t>
+            </a:r>
+            <a:endParaRPr lang="en-US" sz="2800" dirty="0"/>
+          </a:p>
+          <a:p>
+            <a:pPr lvl="1"/>
+            <a:r>
+              <a:rPr lang="en-US" sz="2400" dirty="0" smtClean="0"/>
+              <a:t>Material options: 3D printed plastic, laser cut plastic, machined aluminum, carbon fiber tubes</a:t>
+            </a:r>
+          </a:p>
+          <a:p>
+            <a:r>
+              <a:rPr lang="en-US" sz="2800" dirty="0" smtClean="0"/>
+              <a:t>Base should be </a:t>
+            </a:r>
+            <a:r>
+              <a:rPr lang="en-US" sz="2800" dirty="0" smtClean="0"/>
+              <a:t>relatively heavy </a:t>
+            </a:r>
+            <a:r>
+              <a:rPr lang="en-US" sz="2800" dirty="0" smtClean="0"/>
+              <a:t>to counterbalance the arm when </a:t>
+            </a:r>
+            <a:r>
+              <a:rPr lang="en-US" sz="2800" dirty="0" smtClean="0"/>
+              <a:t>fully extended</a:t>
+            </a:r>
+            <a:endParaRPr lang="en-US" sz="2800" dirty="0" smtClean="0"/>
+          </a:p>
+          <a:p>
+            <a:r>
+              <a:rPr lang="en-US" sz="2800" dirty="0" smtClean="0"/>
+              <a:t>May include springs or counterweights to take </a:t>
+            </a:r>
+            <a:r>
+              <a:rPr lang="en-US" sz="2800" dirty="0" smtClean="0"/>
+              <a:t>some of the static load </a:t>
+            </a:r>
+            <a:r>
+              <a:rPr lang="en-US" sz="2800" dirty="0" smtClean="0"/>
+              <a:t>off of the actuators</a:t>
+            </a:r>
           </a:p>
         </p:txBody>
       </p:sp>
     </p:spTree>
     <p:extLst>
       <p:ext uri="{BB962C8B-B14F-4D97-AF65-F5344CB8AC3E}">
-        <p14:creationId xmlns:p14="http://schemas.microsoft.com/office/powerpoint/2010/main" val="4220972290"/>
+        <p14:creationId xmlns:p14="http://schemas.microsoft.com/office/powerpoint/2010/main" val="3418157013"/>
       </p:ext>
     </p:extLst>
   </p:cSld>
@@ -4502,7 +5027,7 @@
           <a:p>
             <a:r>
               <a:rPr lang="en-US" dirty="0" smtClean="0"/>
-              <a:t>Software</a:t>
+              <a:t>Power Electronics</a:t>
             </a:r>
             <a:endParaRPr lang="en-US" dirty="0"/>
           </a:p>
@@ -4520,33 +5045,69 @@
         </p:nvSpPr>
         <p:spPr/>
         <p:txBody>
-          <a:bodyPr/>
-          <a:lstStyle/>
-          <a:p>
-            <a:r>
-              <a:rPr lang="en-US" dirty="0" smtClean="0"/>
-              <a:t>Written in C and C++</a:t>
-            </a:r>
-          </a:p>
-          <a:p>
-            <a:r>
-              <a:rPr lang="en-US" dirty="0" smtClean="0"/>
-              <a:t>Architecture will include a software framework that includes functions like calculating the current position, moving to a certain position, creating and executing motion profiles</a:t>
-            </a:r>
-          </a:p>
-          <a:p>
-            <a:r>
-              <a:rPr lang="en-US" dirty="0" smtClean="0"/>
-              <a:t>Specific applications will be simple to program on top of this layer</a:t>
-            </a:r>
-            <a:endParaRPr lang="en-US" dirty="0"/>
+          <a:bodyPr>
+            <a:normAutofit/>
+          </a:bodyPr>
+          <a:lstStyle/>
+          <a:p>
+            <a:r>
+              <a:rPr lang="en-US" sz="2800" dirty="0" smtClean="0"/>
+              <a:t>The actuators that we looked at all run off of a 12V supply voltage</a:t>
+            </a:r>
+          </a:p>
+          <a:p>
+            <a:r>
+              <a:rPr lang="en-US" sz="2800" dirty="0" smtClean="0"/>
+              <a:t>Several options:</a:t>
+            </a:r>
+          </a:p>
+          <a:p>
+            <a:pPr lvl="1"/>
+            <a:r>
+              <a:rPr lang="en-US" sz="2400" dirty="0" smtClean="0"/>
+              <a:t>A commodity PC power supply unit</a:t>
+            </a:r>
+          </a:p>
+          <a:p>
+            <a:pPr lvl="1"/>
+            <a:r>
+              <a:rPr lang="en-US" sz="2400" dirty="0" smtClean="0"/>
+              <a:t>Custom built 12V wall supply</a:t>
+            </a:r>
+          </a:p>
+          <a:p>
+            <a:pPr lvl="1"/>
+            <a:r>
+              <a:rPr lang="en-US" sz="2400" dirty="0" smtClean="0"/>
+              <a:t>11.1V 3-cell </a:t>
+            </a:r>
+            <a:r>
+              <a:rPr lang="en-US" sz="2400" dirty="0" err="1" smtClean="0"/>
+              <a:t>LiPo</a:t>
+            </a:r>
+            <a:r>
+              <a:rPr lang="en-US" sz="2400" dirty="0" smtClean="0"/>
+              <a:t> batteries for portability</a:t>
+            </a:r>
+            <a:endParaRPr lang="en-US" sz="2400" dirty="0"/>
+          </a:p>
+          <a:p>
+            <a:r>
+              <a:rPr lang="en-US" sz="2800" dirty="0" smtClean="0"/>
+              <a:t>Control electronics will be powered with </a:t>
+            </a:r>
+            <a:r>
+              <a:rPr lang="en-US" sz="2800" dirty="0" smtClean="0"/>
+              <a:t>regulated supplies derived from the main supply</a:t>
+            </a:r>
+            <a:endParaRPr lang="en-US" sz="2800" dirty="0" smtClean="0"/>
           </a:p>
         </p:txBody>
       </p:sp>
     </p:spTree>
     <p:extLst>
       <p:ext uri="{BB962C8B-B14F-4D97-AF65-F5344CB8AC3E}">
-        <p14:creationId xmlns:p14="http://schemas.microsoft.com/office/powerpoint/2010/main" val="3519092767"/>
+        <p14:creationId xmlns:p14="http://schemas.microsoft.com/office/powerpoint/2010/main" val="587195641"/>
       </p:ext>
     </p:extLst>
   </p:cSld>
